--- a/Template/Exp2/untitled.pptx
+++ b/Template/Exp2/untitled.pptx
@@ -108,6 +108,11 @@
       </a:defRPr>
     </a:lvl9pPr>
   </p:defaultTextStyle>
+  <p:extLst>
+    <p:ext uri="{EFAFB233-063F-42B5-8137-9DF3F51BA10A}">
+      <p15:sldGuideLst xmlns:p15="http://schemas.microsoft.com/office/powerpoint/2012/main"/>
+    </p:ext>
+  </p:extLst>
 </p:presentation>
 </file>
 
@@ -193,7 +198,7 @@
           <a:p>
             <a:fld id="{D4CE6B8B-3ACD-5342-8027-528B1573328D}" type="datetimeFigureOut">
               <a:rPr lang="en-CN" smtClean="0"/>
-              <a:t>2023/5/1</a:t>
+              <a:t>2023/5/3</a:t>
             </a:fld>
             <a:endParaRPr lang="en-CN"/>
           </a:p>
@@ -694,7 +699,7 @@
           <a:p>
             <a:fld id="{8773CF06-609E-594A-A16A-7BDC0F773BB6}" type="datetimeFigureOut">
               <a:rPr lang="en-CN" smtClean="0"/>
-              <a:t>2023/5/1</a:t>
+              <a:t>2023/5/3</a:t>
             </a:fld>
             <a:endParaRPr lang="en-CN"/>
           </a:p>
@@ -894,7 +899,7 @@
           <a:p>
             <a:fld id="{8773CF06-609E-594A-A16A-7BDC0F773BB6}" type="datetimeFigureOut">
               <a:rPr lang="en-CN" smtClean="0"/>
-              <a:t>2023/5/1</a:t>
+              <a:t>2023/5/3</a:t>
             </a:fld>
             <a:endParaRPr lang="en-CN"/>
           </a:p>
@@ -1104,7 +1109,7 @@
           <a:p>
             <a:fld id="{8773CF06-609E-594A-A16A-7BDC0F773BB6}" type="datetimeFigureOut">
               <a:rPr lang="en-CN" smtClean="0"/>
-              <a:t>2023/5/1</a:t>
+              <a:t>2023/5/3</a:t>
             </a:fld>
             <a:endParaRPr lang="en-CN"/>
           </a:p>
@@ -1304,7 +1309,7 @@
           <a:p>
             <a:fld id="{8773CF06-609E-594A-A16A-7BDC0F773BB6}" type="datetimeFigureOut">
               <a:rPr lang="en-CN" smtClean="0"/>
-              <a:t>2023/5/1</a:t>
+              <a:t>2023/5/3</a:t>
             </a:fld>
             <a:endParaRPr lang="en-CN"/>
           </a:p>
@@ -1580,7 +1585,7 @@
           <a:p>
             <a:fld id="{8773CF06-609E-594A-A16A-7BDC0F773BB6}" type="datetimeFigureOut">
               <a:rPr lang="en-CN" smtClean="0"/>
-              <a:t>2023/5/1</a:t>
+              <a:t>2023/5/3</a:t>
             </a:fld>
             <a:endParaRPr lang="en-CN"/>
           </a:p>
@@ -1848,7 +1853,7 @@
           <a:p>
             <a:fld id="{8773CF06-609E-594A-A16A-7BDC0F773BB6}" type="datetimeFigureOut">
               <a:rPr lang="en-CN" smtClean="0"/>
-              <a:t>2023/5/1</a:t>
+              <a:t>2023/5/3</a:t>
             </a:fld>
             <a:endParaRPr lang="en-CN"/>
           </a:p>
@@ -2263,7 +2268,7 @@
           <a:p>
             <a:fld id="{8773CF06-609E-594A-A16A-7BDC0F773BB6}" type="datetimeFigureOut">
               <a:rPr lang="en-CN" smtClean="0"/>
-              <a:t>2023/5/1</a:t>
+              <a:t>2023/5/3</a:t>
             </a:fld>
             <a:endParaRPr lang="en-CN"/>
           </a:p>
@@ -2405,7 +2410,7 @@
           <a:p>
             <a:fld id="{8773CF06-609E-594A-A16A-7BDC0F773BB6}" type="datetimeFigureOut">
               <a:rPr lang="en-CN" smtClean="0"/>
-              <a:t>2023/5/1</a:t>
+              <a:t>2023/5/3</a:t>
             </a:fld>
             <a:endParaRPr lang="en-CN"/>
           </a:p>
@@ -2518,7 +2523,7 @@
           <a:p>
             <a:fld id="{8773CF06-609E-594A-A16A-7BDC0F773BB6}" type="datetimeFigureOut">
               <a:rPr lang="en-CN" smtClean="0"/>
-              <a:t>2023/5/1</a:t>
+              <a:t>2023/5/3</a:t>
             </a:fld>
             <a:endParaRPr lang="en-CN"/>
           </a:p>
@@ -2831,7 +2836,7 @@
           <a:p>
             <a:fld id="{8773CF06-609E-594A-A16A-7BDC0F773BB6}" type="datetimeFigureOut">
               <a:rPr lang="en-CN" smtClean="0"/>
-              <a:t>2023/5/1</a:t>
+              <a:t>2023/5/3</a:t>
             </a:fld>
             <a:endParaRPr lang="en-CN"/>
           </a:p>
@@ -3120,7 +3125,7 @@
           <a:p>
             <a:fld id="{8773CF06-609E-594A-A16A-7BDC0F773BB6}" type="datetimeFigureOut">
               <a:rPr lang="en-CN" smtClean="0"/>
-              <a:t>2023/5/1</a:t>
+              <a:t>2023/5/3</a:t>
             </a:fld>
             <a:endParaRPr lang="en-CN"/>
           </a:p>
@@ -3363,7 +3368,7 @@
           <a:p>
             <a:fld id="{8773CF06-609E-594A-A16A-7BDC0F773BB6}" type="datetimeFigureOut">
               <a:rPr lang="en-CN" smtClean="0"/>
-              <a:t>2023/5/1</a:t>
+              <a:t>2023/5/3</a:t>
             </a:fld>
             <a:endParaRPr lang="en-CN"/>
           </a:p>
@@ -3796,14 +3801,13 @@
         </p:nvPicPr>
         <p:blipFill>
           <a:blip r:embed="rId3"/>
-          <a:stretch>
-            <a:fillRect/>
-          </a:stretch>
+          <a:srcRect/>
+          <a:stretch/>
         </p:blipFill>
         <p:spPr>
           <a:xfrm>
-            <a:off x="774700" y="1376417"/>
-            <a:ext cx="5245100" cy="3937000"/>
+            <a:off x="850503" y="1376417"/>
+            <a:ext cx="5093493" cy="3937000"/>
           </a:xfrm>
           <a:prstGeom prst="rect">
             <a:avLst/>
@@ -3826,673 +3830,358 @@
         </p:nvPicPr>
         <p:blipFill>
           <a:blip r:embed="rId4"/>
+          <a:srcRect/>
+          <a:stretch/>
+        </p:blipFill>
+        <p:spPr>
+          <a:xfrm>
+            <a:off x="6171803" y="1376417"/>
+            <a:ext cx="5093493" cy="3937000"/>
+          </a:xfrm>
+          <a:prstGeom prst="rect">
+            <a:avLst/>
+          </a:prstGeom>
+        </p:spPr>
+      </p:pic>
+      <p:sp>
+        <p:nvSpPr>
+          <p:cNvPr id="12" name="TextBox 11">
+            <a:extLst>
+              <a:ext uri="{FF2B5EF4-FFF2-40B4-BE49-F238E27FC236}">
+                <a16:creationId xmlns:a16="http://schemas.microsoft.com/office/drawing/2014/main" id="{DA9FFA45-8F5F-59AC-F79E-52BE76303751}"/>
+              </a:ext>
+            </a:extLst>
+          </p:cNvPr>
+          <p:cNvSpPr txBox="1"/>
+          <p:nvPr/>
+        </p:nvSpPr>
+        <p:spPr>
+          <a:xfrm>
+            <a:off x="6574221" y="1090449"/>
+            <a:ext cx="476412" cy="400110"/>
+          </a:xfrm>
+          <a:prstGeom prst="rect">
+            <a:avLst/>
+          </a:prstGeom>
+          <a:noFill/>
+        </p:spPr>
+        <p:txBody>
+          <a:bodyPr wrap="none" rtlCol="0">
+            <a:spAutoFit/>
+          </a:bodyPr>
+          <a:lstStyle/>
+          <a:p>
+            <a:r>
+              <a:rPr lang="en-CN" sz="2000" dirty="0"/>
+              <a:t>(b)</a:t>
+            </a:r>
+          </a:p>
+        </p:txBody>
+      </p:sp>
+      <p:sp>
+        <p:nvSpPr>
+          <p:cNvPr id="13" name="TextBox 12">
+            <a:extLst>
+              <a:ext uri="{FF2B5EF4-FFF2-40B4-BE49-F238E27FC236}">
+                <a16:creationId xmlns:a16="http://schemas.microsoft.com/office/drawing/2014/main" id="{1ED3CA89-ED1D-4797-F57F-DE34506314A8}"/>
+              </a:ext>
+            </a:extLst>
+          </p:cNvPr>
+          <p:cNvSpPr txBox="1"/>
+          <p:nvPr/>
+        </p:nvSpPr>
+        <p:spPr>
+          <a:xfrm>
+            <a:off x="1303283" y="1132772"/>
+            <a:ext cx="465192" cy="400110"/>
+          </a:xfrm>
+          <a:prstGeom prst="rect">
+            <a:avLst/>
+          </a:prstGeom>
+          <a:noFill/>
+        </p:spPr>
+        <p:txBody>
+          <a:bodyPr wrap="none" rtlCol="0">
+            <a:spAutoFit/>
+          </a:bodyPr>
+          <a:lstStyle/>
+          <a:p>
+            <a:r>
+              <a:rPr lang="en-CN" sz="2000" dirty="0"/>
+              <a:t>(a)</a:t>
+            </a:r>
+          </a:p>
+        </p:txBody>
+      </p:sp>
+      <p:pic>
+        <p:nvPicPr>
+          <p:cNvPr id="6" name="Picture 5">
+            <a:extLst>
+              <a:ext uri="{FF2B5EF4-FFF2-40B4-BE49-F238E27FC236}">
+                <a16:creationId xmlns:a16="http://schemas.microsoft.com/office/drawing/2014/main" id="{AE6EF273-03F2-375F-29BA-81D5C8235C91}"/>
+              </a:ext>
+            </a:extLst>
+          </p:cNvPr>
+          <p:cNvPicPr>
+            <a:picLocks noChangeAspect="1"/>
+          </p:cNvPicPr>
+          <p:nvPr/>
+        </p:nvPicPr>
+        <p:blipFill>
+          <a:blip r:embed="rId5"/>
           <a:stretch>
             <a:fillRect/>
           </a:stretch>
         </p:blipFill>
         <p:spPr>
           <a:xfrm>
-            <a:off x="6019800" y="1376417"/>
-            <a:ext cx="5397500" cy="3937000"/>
+            <a:off x="3325794" y="4957817"/>
+            <a:ext cx="584200" cy="355600"/>
           </a:xfrm>
           <a:prstGeom prst="rect">
             <a:avLst/>
           </a:prstGeom>
         </p:spPr>
       </p:pic>
-      <p:sp>
-        <p:nvSpPr>
-          <p:cNvPr id="8" name="Rectangle 7">
-            <a:extLst>
-              <a:ext uri="{FF2B5EF4-FFF2-40B4-BE49-F238E27FC236}">
-                <a16:creationId xmlns:a16="http://schemas.microsoft.com/office/drawing/2014/main" id="{636C15F5-B10B-4AF5-5C25-6BF26D826BC4}"/>
-              </a:ext>
-            </a:extLst>
-          </p:cNvPr>
-          <p:cNvSpPr/>
+      <p:pic>
+        <p:nvPicPr>
+          <p:cNvPr id="9" name="Picture 8">
+            <a:extLst>
+              <a:ext uri="{FF2B5EF4-FFF2-40B4-BE49-F238E27FC236}">
+                <a16:creationId xmlns:a16="http://schemas.microsoft.com/office/drawing/2014/main" id="{86B75022-9D32-23E2-7EB7-FFE39DF95F81}"/>
+              </a:ext>
+            </a:extLst>
+          </p:cNvPr>
+          <p:cNvPicPr>
+            <a:picLocks noChangeAspect="1"/>
+          </p:cNvPicPr>
           <p:nvPr/>
-        </p:nvSpPr>
+        </p:nvPicPr>
+        <p:blipFill>
+          <a:blip r:embed="rId5"/>
+          <a:stretch>
+            <a:fillRect/>
+          </a:stretch>
+        </p:blipFill>
         <p:spPr>
           <a:xfrm>
-            <a:off x="3909849" y="1923393"/>
-            <a:ext cx="546538" cy="1870841"/>
+            <a:off x="8718549" y="4973057"/>
+            <a:ext cx="584200" cy="355600"/>
           </a:xfrm>
           <a:prstGeom prst="rect">
             <a:avLst/>
           </a:prstGeom>
-          <a:noFill/>
-          <a:ln>
-            <a:prstDash val="dash"/>
-          </a:ln>
         </p:spPr>
-        <p:style>
-          <a:lnRef idx="2">
-            <a:schemeClr val="accent1">
-              <a:shade val="50000"/>
-            </a:schemeClr>
-          </a:lnRef>
-          <a:fillRef idx="1">
-            <a:schemeClr val="accent1"/>
-          </a:fillRef>
-          <a:effectRef idx="0">
-            <a:schemeClr val="accent1"/>
-          </a:effectRef>
-          <a:fontRef idx="minor">
-            <a:schemeClr val="lt1"/>
-          </a:fontRef>
-        </p:style>
-        <p:txBody>
-          <a:bodyPr rtlCol="0" anchor="ctr"/>
-          <a:lstStyle/>
-          <a:p>
-            <a:pPr algn="ctr"/>
-            <a:endParaRPr lang="en-CN" dirty="0"/>
-          </a:p>
-        </p:txBody>
-      </p:sp>
-      <p:sp>
-        <p:nvSpPr>
-          <p:cNvPr id="11" name="TextBox 10">
-            <a:extLst>
-              <a:ext uri="{FF2B5EF4-FFF2-40B4-BE49-F238E27FC236}">
-                <a16:creationId xmlns:a16="http://schemas.microsoft.com/office/drawing/2014/main" id="{1A780E1A-F89A-821C-DA94-08D4C786976C}"/>
-              </a:ext>
-            </a:extLst>
-          </p:cNvPr>
-          <p:cNvSpPr txBox="1"/>
-          <p:nvPr/>
-        </p:nvSpPr>
-        <p:spPr>
-          <a:xfrm>
-            <a:off x="4099034" y="3429000"/>
-            <a:ext cx="447558" cy="369332"/>
-          </a:xfrm>
-          <a:prstGeom prst="rect">
-            <a:avLst/>
-          </a:prstGeom>
-          <a:noFill/>
-        </p:spPr>
-        <p:txBody>
-          <a:bodyPr wrap="none" rtlCol="0">
-            <a:spAutoFit/>
-          </a:bodyPr>
-          <a:lstStyle/>
-          <a:p>
-            <a:r>
-              <a:rPr lang="en-CN" dirty="0">
-                <a:solidFill>
-                  <a:schemeClr val="bg2">
-                    <a:lumMod val="75000"/>
-                  </a:schemeClr>
-                </a:solidFill>
-              </a:rPr>
-              <a:t>(b)</a:t>
-            </a:r>
-          </a:p>
-        </p:txBody>
-      </p:sp>
-      <p:sp>
-        <p:nvSpPr>
-          <p:cNvPr id="12" name="TextBox 11">
-            <a:extLst>
-              <a:ext uri="{FF2B5EF4-FFF2-40B4-BE49-F238E27FC236}">
-                <a16:creationId xmlns:a16="http://schemas.microsoft.com/office/drawing/2014/main" id="{DA9FFA45-8F5F-59AC-F79E-52BE76303751}"/>
-              </a:ext>
-            </a:extLst>
-          </p:cNvPr>
-          <p:cNvSpPr txBox="1"/>
-          <p:nvPr/>
-        </p:nvSpPr>
-        <p:spPr>
-          <a:xfrm>
-            <a:off x="6574221" y="1090449"/>
-            <a:ext cx="447558" cy="369332"/>
-          </a:xfrm>
-          <a:prstGeom prst="rect">
-            <a:avLst/>
-          </a:prstGeom>
-          <a:noFill/>
-        </p:spPr>
-        <p:txBody>
-          <a:bodyPr wrap="none" rtlCol="0">
-            <a:spAutoFit/>
-          </a:bodyPr>
-          <a:lstStyle/>
-          <a:p>
-            <a:r>
-              <a:rPr lang="en-CN" dirty="0"/>
-              <a:t>(b)</a:t>
-            </a:r>
-          </a:p>
-        </p:txBody>
-      </p:sp>
-      <p:sp>
-        <p:nvSpPr>
-          <p:cNvPr id="13" name="TextBox 12">
-            <a:extLst>
-              <a:ext uri="{FF2B5EF4-FFF2-40B4-BE49-F238E27FC236}">
-                <a16:creationId xmlns:a16="http://schemas.microsoft.com/office/drawing/2014/main" id="{1ED3CA89-ED1D-4797-F57F-DE34506314A8}"/>
-              </a:ext>
-            </a:extLst>
-          </p:cNvPr>
-          <p:cNvSpPr txBox="1"/>
-          <p:nvPr/>
-        </p:nvSpPr>
-        <p:spPr>
-          <a:xfrm>
-            <a:off x="1303283" y="1132772"/>
-            <a:ext cx="447558" cy="369332"/>
-          </a:xfrm>
-          <a:prstGeom prst="rect">
-            <a:avLst/>
-          </a:prstGeom>
-          <a:noFill/>
-        </p:spPr>
-        <p:txBody>
-          <a:bodyPr wrap="none" rtlCol="0">
-            <a:spAutoFit/>
-          </a:bodyPr>
-          <a:lstStyle/>
-          <a:p>
-            <a:r>
-              <a:rPr lang="en-CN" dirty="0"/>
-              <a:t>(a)</a:t>
-            </a:r>
-          </a:p>
-        </p:txBody>
-      </p:sp>
-      <p:cxnSp>
-        <p:nvCxnSpPr>
-          <p:cNvPr id="15" name="Straight Arrow Connector 14">
-            <a:extLst>
-              <a:ext uri="{FF2B5EF4-FFF2-40B4-BE49-F238E27FC236}">
-                <a16:creationId xmlns:a16="http://schemas.microsoft.com/office/drawing/2014/main" id="{21930437-4020-E5B5-C12A-255221CE1A79}"/>
-              </a:ext>
-            </a:extLst>
-          </p:cNvPr>
-          <p:cNvCxnSpPr>
-            <a:cxnSpLocks/>
-          </p:cNvCxnSpPr>
-          <p:nvPr/>
-        </p:nvCxnSpPr>
-        <p:spPr>
-          <a:xfrm flipV="1">
-            <a:off x="6718297" y="3134929"/>
-            <a:ext cx="0" cy="209988"/>
-          </a:xfrm>
-          <a:prstGeom prst="straightConnector1">
-            <a:avLst/>
-          </a:prstGeom>
-          <a:ln>
-            <a:tailEnd type="triangle"/>
-          </a:ln>
-        </p:spPr>
-        <p:style>
-          <a:lnRef idx="3">
-            <a:schemeClr val="accent1"/>
-          </a:lnRef>
-          <a:fillRef idx="0">
-            <a:schemeClr val="accent1"/>
-          </a:fillRef>
-          <a:effectRef idx="2">
-            <a:schemeClr val="accent1"/>
-          </a:effectRef>
-          <a:fontRef idx="minor">
-            <a:schemeClr val="tx1"/>
-          </a:fontRef>
-        </p:style>
-      </p:cxnSp>
-      <p:cxnSp>
-        <p:nvCxnSpPr>
-          <p:cNvPr id="17" name="Straight Arrow Connector 16">
-            <a:extLst>
-              <a:ext uri="{FF2B5EF4-FFF2-40B4-BE49-F238E27FC236}">
-                <a16:creationId xmlns:a16="http://schemas.microsoft.com/office/drawing/2014/main" id="{28108869-6F56-2588-BFDB-4E2775467B54}"/>
-              </a:ext>
-            </a:extLst>
-          </p:cNvPr>
-          <p:cNvCxnSpPr>
-            <a:cxnSpLocks/>
-          </p:cNvCxnSpPr>
-          <p:nvPr/>
-        </p:nvCxnSpPr>
-        <p:spPr>
-          <a:xfrm>
-            <a:off x="7346947" y="2736850"/>
-            <a:ext cx="0" cy="386802"/>
-          </a:xfrm>
-          <a:prstGeom prst="straightConnector1">
-            <a:avLst/>
-          </a:prstGeom>
-          <a:ln>
-            <a:tailEnd type="triangle"/>
-          </a:ln>
-        </p:spPr>
-        <p:style>
-          <a:lnRef idx="3">
-            <a:schemeClr val="accent1"/>
-          </a:lnRef>
-          <a:fillRef idx="0">
-            <a:schemeClr val="accent1"/>
-          </a:fillRef>
-          <a:effectRef idx="2">
-            <a:schemeClr val="accent1"/>
-          </a:effectRef>
-          <a:fontRef idx="minor">
-            <a:schemeClr val="tx1"/>
-          </a:fontRef>
-        </p:style>
-      </p:cxnSp>
-      <p:cxnSp>
-        <p:nvCxnSpPr>
-          <p:cNvPr id="19" name="Straight Arrow Connector 18">
-            <a:extLst>
-              <a:ext uri="{FF2B5EF4-FFF2-40B4-BE49-F238E27FC236}">
-                <a16:creationId xmlns:a16="http://schemas.microsoft.com/office/drawing/2014/main" id="{A160C68B-4D23-9CF7-B2EB-997954B20FDD}"/>
-              </a:ext>
-            </a:extLst>
-          </p:cNvPr>
-          <p:cNvCxnSpPr>
-            <a:cxnSpLocks/>
-          </p:cNvCxnSpPr>
-          <p:nvPr/>
-        </p:nvCxnSpPr>
-        <p:spPr>
-          <a:xfrm>
-            <a:off x="8540747" y="2790825"/>
-            <a:ext cx="0" cy="292100"/>
-          </a:xfrm>
-          <a:prstGeom prst="straightConnector1">
-            <a:avLst/>
-          </a:prstGeom>
-          <a:ln>
-            <a:tailEnd type="triangle"/>
-          </a:ln>
-        </p:spPr>
-        <p:style>
-          <a:lnRef idx="3">
-            <a:schemeClr val="accent1"/>
-          </a:lnRef>
-          <a:fillRef idx="0">
-            <a:schemeClr val="accent1"/>
-          </a:fillRef>
-          <a:effectRef idx="2">
-            <a:schemeClr val="accent1"/>
-          </a:effectRef>
-          <a:fontRef idx="minor">
-            <a:schemeClr val="tx1"/>
-          </a:fontRef>
-        </p:style>
-      </p:cxnSp>
-      <p:cxnSp>
-        <p:nvCxnSpPr>
-          <p:cNvPr id="21" name="Straight Arrow Connector 20">
-            <a:extLst>
-              <a:ext uri="{FF2B5EF4-FFF2-40B4-BE49-F238E27FC236}">
-                <a16:creationId xmlns:a16="http://schemas.microsoft.com/office/drawing/2014/main" id="{20E203E9-86CA-B314-3F5A-E5CB34BDB3E2}"/>
-              </a:ext>
-            </a:extLst>
-          </p:cNvPr>
-          <p:cNvCxnSpPr>
-            <a:cxnSpLocks/>
-          </p:cNvCxnSpPr>
-          <p:nvPr/>
-        </p:nvCxnSpPr>
-        <p:spPr>
-          <a:xfrm>
-            <a:off x="9001122" y="2819400"/>
-            <a:ext cx="0" cy="238125"/>
-          </a:xfrm>
-          <a:prstGeom prst="straightConnector1">
-            <a:avLst/>
-          </a:prstGeom>
-          <a:ln>
-            <a:tailEnd type="triangle"/>
-          </a:ln>
-        </p:spPr>
-        <p:style>
-          <a:lnRef idx="3">
-            <a:schemeClr val="accent2"/>
-          </a:lnRef>
-          <a:fillRef idx="0">
-            <a:schemeClr val="accent2"/>
-          </a:fillRef>
-          <a:effectRef idx="2">
-            <a:schemeClr val="accent2"/>
-          </a:effectRef>
-          <a:fontRef idx="minor">
-            <a:schemeClr val="tx1"/>
-          </a:fontRef>
-        </p:style>
-      </p:cxnSp>
-      <p:sp>
-        <p:nvSpPr>
-          <p:cNvPr id="24" name="TextBox 23">
-            <a:extLst>
-              <a:ext uri="{FF2B5EF4-FFF2-40B4-BE49-F238E27FC236}">
-                <a16:creationId xmlns:a16="http://schemas.microsoft.com/office/drawing/2014/main" id="{E150F0CA-B9E1-B36D-5201-906EBEF4D96C}"/>
-              </a:ext>
-            </a:extLst>
-          </p:cNvPr>
-          <p:cNvSpPr txBox="1"/>
-          <p:nvPr/>
-        </p:nvSpPr>
-        <p:spPr>
-          <a:xfrm>
-            <a:off x="6629824" y="3298195"/>
-            <a:ext cx="343364" cy="261610"/>
-          </a:xfrm>
-          <a:prstGeom prst="rect">
-            <a:avLst/>
-          </a:prstGeom>
-          <a:noFill/>
-        </p:spPr>
-        <p:txBody>
-          <a:bodyPr wrap="none" rtlCol="0">
-            <a:spAutoFit/>
-          </a:bodyPr>
-          <a:lstStyle/>
-          <a:p>
-            <a:r>
-              <a:rPr lang="en-CN" sz="1100" dirty="0">
-                <a:solidFill>
-                  <a:schemeClr val="accent1">
-                    <a:lumMod val="75000"/>
-                  </a:schemeClr>
-                </a:solidFill>
-              </a:rPr>
-              <a:t>(1)</a:t>
-            </a:r>
-          </a:p>
-        </p:txBody>
-      </p:sp>
-      <p:sp>
-        <p:nvSpPr>
-          <p:cNvPr id="25" name="TextBox 24">
-            <a:extLst>
-              <a:ext uri="{FF2B5EF4-FFF2-40B4-BE49-F238E27FC236}">
-                <a16:creationId xmlns:a16="http://schemas.microsoft.com/office/drawing/2014/main" id="{D9534DC1-0CC9-9906-F1DD-284E2B8E952B}"/>
-              </a:ext>
-            </a:extLst>
-          </p:cNvPr>
-          <p:cNvSpPr txBox="1"/>
-          <p:nvPr/>
-        </p:nvSpPr>
-        <p:spPr>
-          <a:xfrm>
-            <a:off x="7289097" y="2632024"/>
-            <a:ext cx="343364" cy="261610"/>
-          </a:xfrm>
-          <a:prstGeom prst="rect">
-            <a:avLst/>
-          </a:prstGeom>
-          <a:noFill/>
-        </p:spPr>
-        <p:txBody>
-          <a:bodyPr wrap="none" rtlCol="0">
-            <a:spAutoFit/>
-          </a:bodyPr>
-          <a:lstStyle/>
-          <a:p>
-            <a:r>
-              <a:rPr lang="en-CN" sz="1100" dirty="0">
-                <a:solidFill>
-                  <a:schemeClr val="accent1">
-                    <a:lumMod val="75000"/>
-                  </a:schemeClr>
-                </a:solidFill>
-              </a:rPr>
-              <a:t>(2)</a:t>
-            </a:r>
-          </a:p>
-        </p:txBody>
-      </p:sp>
-      <p:sp>
-        <p:nvSpPr>
-          <p:cNvPr id="26" name="TextBox 25">
-            <a:extLst>
-              <a:ext uri="{FF2B5EF4-FFF2-40B4-BE49-F238E27FC236}">
-                <a16:creationId xmlns:a16="http://schemas.microsoft.com/office/drawing/2014/main" id="{573E234F-F489-01EB-81FE-7CD30210FAF7}"/>
-              </a:ext>
-            </a:extLst>
-          </p:cNvPr>
-          <p:cNvSpPr txBox="1"/>
-          <p:nvPr/>
-        </p:nvSpPr>
-        <p:spPr>
-          <a:xfrm>
-            <a:off x="8211672" y="2728008"/>
-            <a:ext cx="343364" cy="261610"/>
-          </a:xfrm>
-          <a:prstGeom prst="rect">
-            <a:avLst/>
-          </a:prstGeom>
-          <a:noFill/>
-        </p:spPr>
-        <p:txBody>
-          <a:bodyPr wrap="none" rtlCol="0">
-            <a:spAutoFit/>
-          </a:bodyPr>
-          <a:lstStyle/>
-          <a:p>
-            <a:r>
-              <a:rPr lang="en-CN" sz="1100" dirty="0">
-                <a:solidFill>
-                  <a:schemeClr val="accent1">
-                    <a:lumMod val="75000"/>
-                  </a:schemeClr>
-                </a:solidFill>
-              </a:rPr>
-              <a:t>(3)</a:t>
-            </a:r>
-          </a:p>
-        </p:txBody>
-      </p:sp>
-      <p:sp>
-        <p:nvSpPr>
-          <p:cNvPr id="27" name="TextBox 26">
-            <a:extLst>
-              <a:ext uri="{FF2B5EF4-FFF2-40B4-BE49-F238E27FC236}">
-                <a16:creationId xmlns:a16="http://schemas.microsoft.com/office/drawing/2014/main" id="{BFF5B356-F430-FFA3-FD5B-011FACC9E2AA}"/>
-              </a:ext>
-            </a:extLst>
-          </p:cNvPr>
-          <p:cNvSpPr txBox="1"/>
-          <p:nvPr/>
-        </p:nvSpPr>
-        <p:spPr>
-          <a:xfrm>
-            <a:off x="8959608" y="2688595"/>
-            <a:ext cx="343364" cy="261610"/>
-          </a:xfrm>
-          <a:prstGeom prst="rect">
-            <a:avLst/>
-          </a:prstGeom>
-          <a:noFill/>
-        </p:spPr>
-        <p:txBody>
-          <a:bodyPr wrap="none" rtlCol="0">
-            <a:spAutoFit/>
-          </a:bodyPr>
-          <a:lstStyle/>
-          <a:p>
-            <a:r>
-              <a:rPr lang="en-CN" sz="1100" dirty="0">
-                <a:solidFill>
-                  <a:schemeClr val="accent2">
-                    <a:lumMod val="75000"/>
-                  </a:schemeClr>
-                </a:solidFill>
-              </a:rPr>
-              <a:t>(4)</a:t>
-            </a:r>
-          </a:p>
-        </p:txBody>
-      </p:sp>
-      <p:sp>
-        <p:nvSpPr>
-          <p:cNvPr id="28" name="TextBox 27">
-            <a:extLst>
-              <a:ext uri="{FF2B5EF4-FFF2-40B4-BE49-F238E27FC236}">
-                <a16:creationId xmlns:a16="http://schemas.microsoft.com/office/drawing/2014/main" id="{9B6B5E5F-67D6-11E4-61AE-43C776A03E79}"/>
-              </a:ext>
-            </a:extLst>
-          </p:cNvPr>
-          <p:cNvSpPr txBox="1"/>
-          <p:nvPr/>
-        </p:nvSpPr>
-        <p:spPr>
-          <a:xfrm rot="5400000">
-            <a:off x="7542335" y="3339072"/>
-            <a:ext cx="343364" cy="261610"/>
-          </a:xfrm>
-          <a:prstGeom prst="rect">
-            <a:avLst/>
-          </a:prstGeom>
-          <a:noFill/>
-        </p:spPr>
-        <p:txBody>
-          <a:bodyPr wrap="none" rtlCol="0">
-            <a:spAutoFit/>
-          </a:bodyPr>
-          <a:lstStyle/>
-          <a:p>
-            <a:r>
-              <a:rPr lang="en-CN" sz="1100" dirty="0">
-                <a:solidFill>
-                  <a:schemeClr val="accent1">
-                    <a:lumMod val="75000"/>
-                  </a:schemeClr>
-                </a:solidFill>
-              </a:rPr>
-              <a:t>(1)</a:t>
-            </a:r>
-          </a:p>
-        </p:txBody>
-      </p:sp>
-      <p:sp>
-        <p:nvSpPr>
-          <p:cNvPr id="29" name="TextBox 28">
-            <a:extLst>
-              <a:ext uri="{FF2B5EF4-FFF2-40B4-BE49-F238E27FC236}">
-                <a16:creationId xmlns:a16="http://schemas.microsoft.com/office/drawing/2014/main" id="{48A48823-F964-8737-29CC-AA970249CA05}"/>
-              </a:ext>
-            </a:extLst>
-          </p:cNvPr>
-          <p:cNvSpPr txBox="1"/>
-          <p:nvPr/>
-        </p:nvSpPr>
-        <p:spPr>
-          <a:xfrm rot="5400000">
-            <a:off x="8172616" y="3316463"/>
-            <a:ext cx="343364" cy="261610"/>
-          </a:xfrm>
-          <a:prstGeom prst="rect">
-            <a:avLst/>
-          </a:prstGeom>
-          <a:noFill/>
-        </p:spPr>
-        <p:txBody>
-          <a:bodyPr wrap="none" rtlCol="0">
-            <a:spAutoFit/>
-          </a:bodyPr>
-          <a:lstStyle/>
-          <a:p>
-            <a:r>
-              <a:rPr lang="en-CN" sz="1100" dirty="0">
-                <a:solidFill>
-                  <a:schemeClr val="accent1">
-                    <a:lumMod val="75000"/>
-                  </a:schemeClr>
-                </a:solidFill>
-              </a:rPr>
-              <a:t>(2)</a:t>
-            </a:r>
-          </a:p>
-        </p:txBody>
-      </p:sp>
-      <p:sp>
-        <p:nvSpPr>
-          <p:cNvPr id="30" name="TextBox 29">
-            <a:extLst>
-              <a:ext uri="{FF2B5EF4-FFF2-40B4-BE49-F238E27FC236}">
-                <a16:creationId xmlns:a16="http://schemas.microsoft.com/office/drawing/2014/main" id="{028840F3-D628-7F34-B6B5-491416D6FC30}"/>
-              </a:ext>
-            </a:extLst>
-          </p:cNvPr>
-          <p:cNvSpPr txBox="1"/>
-          <p:nvPr/>
-        </p:nvSpPr>
-        <p:spPr>
-          <a:xfrm rot="5400000">
-            <a:off x="9160948" y="3339072"/>
-            <a:ext cx="343364" cy="261610"/>
-          </a:xfrm>
-          <a:prstGeom prst="rect">
-            <a:avLst/>
-          </a:prstGeom>
-          <a:noFill/>
-        </p:spPr>
-        <p:txBody>
-          <a:bodyPr wrap="none" rtlCol="0">
-            <a:spAutoFit/>
-          </a:bodyPr>
-          <a:lstStyle/>
-          <a:p>
-            <a:r>
-              <a:rPr lang="en-CN" sz="1100" dirty="0">
-                <a:solidFill>
-                  <a:schemeClr val="accent1">
-                    <a:lumMod val="75000"/>
-                  </a:schemeClr>
-                </a:solidFill>
-              </a:rPr>
-              <a:t>(3)</a:t>
-            </a:r>
-          </a:p>
-        </p:txBody>
-      </p:sp>
-      <p:sp>
-        <p:nvSpPr>
-          <p:cNvPr id="31" name="TextBox 30">
-            <a:extLst>
-              <a:ext uri="{FF2B5EF4-FFF2-40B4-BE49-F238E27FC236}">
-                <a16:creationId xmlns:a16="http://schemas.microsoft.com/office/drawing/2014/main" id="{9D584C0C-C324-3472-00FC-F5C1CE4C3DF8}"/>
-              </a:ext>
-            </a:extLst>
-          </p:cNvPr>
-          <p:cNvSpPr txBox="1"/>
-          <p:nvPr/>
-        </p:nvSpPr>
-        <p:spPr>
-          <a:xfrm rot="5400000">
-            <a:off x="9811427" y="3280800"/>
-            <a:ext cx="343364" cy="261610"/>
-          </a:xfrm>
-          <a:prstGeom prst="rect">
-            <a:avLst/>
-          </a:prstGeom>
-          <a:noFill/>
-        </p:spPr>
-        <p:txBody>
-          <a:bodyPr wrap="none" rtlCol="0">
-            <a:spAutoFit/>
-          </a:bodyPr>
-          <a:lstStyle/>
-          <a:p>
-            <a:r>
-              <a:rPr lang="en-CN" sz="1100" dirty="0">
-                <a:solidFill>
-                  <a:schemeClr val="accent2">
-                    <a:lumMod val="75000"/>
-                  </a:schemeClr>
-                </a:solidFill>
-              </a:rPr>
-              <a:t>(4)</a:t>
-            </a:r>
-          </a:p>
-        </p:txBody>
-      </p:sp>
+      </p:pic>
+      <mc:AlternateContent xmlns:mc="http://schemas.openxmlformats.org/markup-compatibility/2006">
+        <mc:Choice xmlns:a14="http://schemas.microsoft.com/office/drawing/2010/main" Requires="a14">
+          <p:sp>
+            <p:nvSpPr>
+              <p:cNvPr id="10" name="TextBox 9">
+                <a:extLst>
+                  <a:ext uri="{FF2B5EF4-FFF2-40B4-BE49-F238E27FC236}">
+                    <a16:creationId xmlns:a16="http://schemas.microsoft.com/office/drawing/2014/main" id="{52625F4B-06BB-4E8E-9EA9-88753E4D0BE2}"/>
+                  </a:ext>
+                </a:extLst>
+              </p:cNvPr>
+              <p:cNvSpPr txBox="1"/>
+              <p:nvPr/>
+            </p:nvSpPr>
+            <p:spPr>
+              <a:xfrm>
+                <a:off x="3497027" y="4873892"/>
+                <a:ext cx="241733" cy="369332"/>
+              </a:xfrm>
+              <a:prstGeom prst="rect">
+                <a:avLst/>
+              </a:prstGeom>
+              <a:noFill/>
+            </p:spPr>
+            <p:txBody>
+              <a:bodyPr wrap="none" lIns="0" tIns="0" rIns="0" bIns="0" rtlCol="0">
+                <a:spAutoFit/>
+              </a:bodyPr>
+              <a:lstStyle/>
+              <a:p>
+                <a14:m>
+                  <m:oMathPara xmlns:m="http://schemas.openxmlformats.org/officeDocument/2006/math">
+                    <m:oMathParaPr>
+                      <m:jc m:val="centerGroup"/>
+                    </m:oMathParaPr>
+                    <m:oMath xmlns:m="http://schemas.openxmlformats.org/officeDocument/2006/math">
+                      <m:r>
+                        <a:rPr lang="en-US" sz="2400" b="0" i="1" smtClean="0">
+                          <a:latin typeface="Cambria Math" panose="02040503050406030204" pitchFamily="18" charset="0"/>
+                        </a:rPr>
+                        <m:t>𝑥</m:t>
+                      </m:r>
+                    </m:oMath>
+                  </m:oMathPara>
+                </a14:m>
+                <a:endParaRPr lang="en-CN" sz="2400" dirty="0"/>
+              </a:p>
+            </p:txBody>
+          </p:sp>
+        </mc:Choice>
+        <mc:Fallback>
+          <p:sp>
+            <p:nvSpPr>
+              <p:cNvPr id="10" name="TextBox 9">
+                <a:extLst>
+                  <a:ext uri="{FF2B5EF4-FFF2-40B4-BE49-F238E27FC236}">
+                    <a16:creationId xmlns:a16="http://schemas.microsoft.com/office/drawing/2014/main" id="{52625F4B-06BB-4E8E-9EA9-88753E4D0BE2}"/>
+                  </a:ext>
+                </a:extLst>
+              </p:cNvPr>
+              <p:cNvSpPr txBox="1">
+                <a:spLocks noRot="1" noChangeAspect="1" noMove="1" noResize="1" noEditPoints="1" noAdjustHandles="1" noChangeArrowheads="1" noChangeShapeType="1" noTextEdit="1"/>
+              </p:cNvSpPr>
+              <p:nvPr/>
+            </p:nvSpPr>
+            <p:spPr>
+              <a:xfrm>
+                <a:off x="3497027" y="4873892"/>
+                <a:ext cx="241733" cy="369332"/>
+              </a:xfrm>
+              <a:prstGeom prst="rect">
+                <a:avLst/>
+              </a:prstGeom>
+              <a:blipFill>
+                <a:blip r:embed="rId6"/>
+                <a:stretch>
+                  <a:fillRect l="-15000" r="-10000"/>
+                </a:stretch>
+              </a:blipFill>
+            </p:spPr>
+            <p:txBody>
+              <a:bodyPr/>
+              <a:lstStyle/>
+              <a:p>
+                <a:r>
+                  <a:rPr lang="en-CN">
+                    <a:noFill/>
+                  </a:rPr>
+                  <a:t> </a:t>
+                </a:r>
+              </a:p>
+            </p:txBody>
+          </p:sp>
+        </mc:Fallback>
+      </mc:AlternateContent>
+      <mc:AlternateContent xmlns:mc="http://schemas.openxmlformats.org/markup-compatibility/2006">
+        <mc:Choice xmlns:a14="http://schemas.microsoft.com/office/drawing/2010/main" Requires="a14">
+          <p:sp>
+            <p:nvSpPr>
+              <p:cNvPr id="14" name="TextBox 13">
+                <a:extLst>
+                  <a:ext uri="{FF2B5EF4-FFF2-40B4-BE49-F238E27FC236}">
+                    <a16:creationId xmlns:a16="http://schemas.microsoft.com/office/drawing/2014/main" id="{2B956CF4-9B7E-3989-A916-D596070B58AD}"/>
+                  </a:ext>
+                </a:extLst>
+              </p:cNvPr>
+              <p:cNvSpPr txBox="1"/>
+              <p:nvPr/>
+            </p:nvSpPr>
+            <p:spPr>
+              <a:xfrm>
+                <a:off x="8814729" y="4932557"/>
+                <a:ext cx="391839" cy="369332"/>
+              </a:xfrm>
+              <a:prstGeom prst="rect">
+                <a:avLst/>
+              </a:prstGeom>
+              <a:noFill/>
+            </p:spPr>
+            <p:txBody>
+              <a:bodyPr wrap="none" lIns="0" tIns="0" rIns="0" bIns="0" rtlCol="0">
+                <a:spAutoFit/>
+              </a:bodyPr>
+              <a:lstStyle/>
+              <a:p>
+                <a14:m>
+                  <m:oMathPara xmlns:m="http://schemas.openxmlformats.org/officeDocument/2006/math">
+                    <m:oMathParaPr>
+                      <m:jc m:val="centerGroup"/>
+                    </m:oMathParaPr>
+                    <m:oMath xmlns:m="http://schemas.openxmlformats.org/officeDocument/2006/math">
+                      <m:sSup>
+                        <m:sSupPr>
+                          <m:ctrlPr>
+                            <a:rPr lang="en-US" sz="2400" b="0" i="1" smtClean="0">
+                              <a:latin typeface="Cambria Math" panose="02040503050406030204" pitchFamily="18" charset="0"/>
+                            </a:rPr>
+                          </m:ctrlPr>
+                        </m:sSupPr>
+                        <m:e>
+                          <m:r>
+                            <a:rPr lang="en-US" sz="2400" i="1">
+                              <a:latin typeface="Cambria Math" panose="02040503050406030204" pitchFamily="18" charset="0"/>
+                            </a:rPr>
+                            <m:t>𝑥</m:t>
+                          </m:r>
+                        </m:e>
+                        <m:sup>
+                          <m:r>
+                            <a:rPr lang="en-US" sz="2400" b="0" i="1" smtClean="0">
+                              <a:latin typeface="Cambria Math" panose="02040503050406030204" pitchFamily="18" charset="0"/>
+                            </a:rPr>
+                            <m:t>2</m:t>
+                          </m:r>
+                        </m:sup>
+                      </m:sSup>
+                    </m:oMath>
+                  </m:oMathPara>
+                </a14:m>
+                <a:endParaRPr lang="en-CN" sz="2400" dirty="0"/>
+              </a:p>
+            </p:txBody>
+          </p:sp>
+        </mc:Choice>
+        <mc:Fallback>
+          <p:sp>
+            <p:nvSpPr>
+              <p:cNvPr id="14" name="TextBox 13">
+                <a:extLst>
+                  <a:ext uri="{FF2B5EF4-FFF2-40B4-BE49-F238E27FC236}">
+                    <a16:creationId xmlns:a16="http://schemas.microsoft.com/office/drawing/2014/main" id="{2B956CF4-9B7E-3989-A916-D596070B58AD}"/>
+                  </a:ext>
+                </a:extLst>
+              </p:cNvPr>
+              <p:cNvSpPr txBox="1">
+                <a:spLocks noRot="1" noChangeAspect="1" noMove="1" noResize="1" noEditPoints="1" noAdjustHandles="1" noChangeArrowheads="1" noChangeShapeType="1" noTextEdit="1"/>
+              </p:cNvSpPr>
+              <p:nvPr/>
+            </p:nvSpPr>
+            <p:spPr>
+              <a:xfrm>
+                <a:off x="8814729" y="4932557"/>
+                <a:ext cx="391839" cy="369332"/>
+              </a:xfrm>
+              <a:prstGeom prst="rect">
+                <a:avLst/>
+              </a:prstGeom>
+              <a:blipFill>
+                <a:blip r:embed="rId7"/>
+                <a:stretch>
+                  <a:fillRect l="-9677" r="-6452"/>
+                </a:stretch>
+              </a:blipFill>
+            </p:spPr>
+            <p:txBody>
+              <a:bodyPr/>
+              <a:lstStyle/>
+              <a:p>
+                <a:r>
+                  <a:rPr lang="en-CN">
+                    <a:noFill/>
+                  </a:rPr>
+                  <a:t> </a:t>
+                </a:r>
+              </a:p>
+            </p:txBody>
+          </p:sp>
+        </mc:Fallback>
+      </mc:AlternateContent>
     </p:spTree>
     <p:extLst>
       <p:ext uri="{BB962C8B-B14F-4D97-AF65-F5344CB8AC3E}">
@@ -4539,14 +4228,13 @@
         </p:nvPicPr>
         <p:blipFill>
           <a:blip r:embed="rId2"/>
-          <a:stretch>
-            <a:fillRect/>
-          </a:stretch>
+          <a:srcRect/>
+          <a:stretch/>
         </p:blipFill>
         <p:spPr>
           <a:xfrm>
-            <a:off x="5731212" y="1637657"/>
-            <a:ext cx="4754810" cy="4680949"/>
+            <a:off x="5694636" y="1600762"/>
+            <a:ext cx="4873050" cy="4644053"/>
           </a:xfrm>
           <a:prstGeom prst="rect">
             <a:avLst/>
@@ -4569,20 +4257,89 @@
         </p:nvPicPr>
         <p:blipFill>
           <a:blip r:embed="rId3"/>
-          <a:stretch>
-            <a:fillRect/>
-          </a:stretch>
+          <a:srcRect/>
+          <a:stretch/>
         </p:blipFill>
         <p:spPr>
           <a:xfrm>
-            <a:off x="791467" y="1637658"/>
-            <a:ext cx="4754810" cy="4680949"/>
+            <a:off x="842246" y="1637658"/>
+            <a:ext cx="4653251" cy="4680949"/>
           </a:xfrm>
           <a:prstGeom prst="rect">
             <a:avLst/>
           </a:prstGeom>
         </p:spPr>
       </p:pic>
+      <p:sp>
+        <p:nvSpPr>
+          <p:cNvPr id="2" name="TextBox 1">
+            <a:extLst>
+              <a:ext uri="{FF2B5EF4-FFF2-40B4-BE49-F238E27FC236}">
+                <a16:creationId xmlns:a16="http://schemas.microsoft.com/office/drawing/2014/main" id="{E995044F-FB1E-EDFF-9C83-98108DB47C03}"/>
+              </a:ext>
+            </a:extLst>
+          </p:cNvPr>
+          <p:cNvSpPr txBox="1"/>
+          <p:nvPr/>
+        </p:nvSpPr>
+        <p:spPr>
+          <a:xfrm>
+            <a:off x="6353228" y="1316269"/>
+            <a:ext cx="476412" cy="400110"/>
+          </a:xfrm>
+          <a:prstGeom prst="rect">
+            <a:avLst/>
+          </a:prstGeom>
+          <a:noFill/>
+        </p:spPr>
+        <p:txBody>
+          <a:bodyPr wrap="none" rtlCol="0">
+            <a:spAutoFit/>
+          </a:bodyPr>
+          <a:lstStyle/>
+          <a:p>
+            <a:r>
+              <a:rPr lang="en-CN" sz="2000" dirty="0"/>
+              <a:t>(b)</a:t>
+            </a:r>
+          </a:p>
+        </p:txBody>
+      </p:sp>
+      <p:sp>
+        <p:nvSpPr>
+          <p:cNvPr id="3" name="TextBox 2">
+            <a:extLst>
+              <a:ext uri="{FF2B5EF4-FFF2-40B4-BE49-F238E27FC236}">
+                <a16:creationId xmlns:a16="http://schemas.microsoft.com/office/drawing/2014/main" id="{B4E19247-3BA1-808E-DB39-617A25BAFD7D}"/>
+              </a:ext>
+            </a:extLst>
+          </p:cNvPr>
+          <p:cNvSpPr txBox="1"/>
+          <p:nvPr/>
+        </p:nvSpPr>
+        <p:spPr>
+          <a:xfrm>
+            <a:off x="1277362" y="1327844"/>
+            <a:ext cx="465192" cy="400110"/>
+          </a:xfrm>
+          <a:prstGeom prst="rect">
+            <a:avLst/>
+          </a:prstGeom>
+          <a:noFill/>
+        </p:spPr>
+        <p:txBody>
+          <a:bodyPr wrap="none" rtlCol="0">
+            <a:spAutoFit/>
+          </a:bodyPr>
+          <a:lstStyle/>
+          <a:p>
+            <a:r>
+              <a:rPr lang="en-CN" sz="2000" dirty="0"/>
+              <a:t>(a)</a:t>
+            </a:r>
+          </a:p>
+        </p:txBody>
+      </p:sp>
     </p:spTree>
     <p:extLst>
       <p:ext uri="{BB962C8B-B14F-4D97-AF65-F5344CB8AC3E}">
